--- a/marktoberdorf_slides/Marktoberdorf2014_3.pptx
+++ b/marktoberdorf_slides/Marktoberdorf2014_3.pptx
@@ -2554,7 +2554,7 @@
           <a:p>
             <a:fld id="{F27A0118-0129-43BE-AFF1-F74F24B48B7E}" type="datetimeFigureOut">
               <a:rPr lang="en-US" smtClean="0"/>
-              <a:t>7/2/2014</a:t>
+              <a:t>8/2/2014</a:t>
             </a:fld>
             <a:endParaRPr lang="en-US"/>
           </a:p>
@@ -3166,7 +3166,7 @@
     </inkml:brush>
   </inkml:definitions>
   <inkml:trace contextRef="#ctx0" brushRef="#br0">4004 617 84 0,'0'0'100'16,"29"-40"6"-16,-29 40-36 15,5-37-29-15,-5 37 0 16,-11-26-4-16,11 26-4 16,-42-8-2-16,13 16-3 15,-18 3-3-15,5 20-4 16,-11 6-3-16,9 18-2 16,-4 6-3-16,17 23 0 15,10 0-4-15,13 11 0 16,18-5-1-16,22-9-2 0,15-15-3 15,16-24-1-15,16-23 0 16,8-30-2-16,3-28 1 16,-4-25-1-16,-12-17-3 15,-11-11 0-15,-16 0 1 16,-20-1-3-16,-19 14 0 16,-19 8-1-16,-13 19-1 15,-7 9-1-15,-6 20-1 16,-2 7-3-16,4 19-5 15,1-1-9-15,13 22-11 16,-5-16-18-16,26 26-40 16,0-34-32-16,5 40-1 15,-5-40 5-15</inkml:trace>
-  <inkml:trace contextRef="#ctx0" brushRef="#br0" timeOffset="409.4354">4575 525 137 0,'34'7'123'16,"-34"-7"5"-16,0 37-3 16,-19-10-83-16,22 25-6 15,-11-4-4-15,19 25-7 16,-9-4-7-16,17 12-2 16,2-9-4-16,13-1-2 15,3-16-4-15,7-16 0 0,6-17-5 16,-2-30-1-16,2-21-4 15,-6-24-3 1,-2-13-1-16,-13-15-4 16,0-1 0-16,-13-8-3 0,-5 11 2 15,-6 6-1-15,-3 15 5 16,-4 13 0-16,2 19 5 16,0 26 4-16,0 0 4 15,0 26 4-15,5 16 2 16,11 21 4-16,-3 8-2 15,16 16 5-15,0-5-5 16,8 2 1-16,2-15-8 16,3-11-10-16,6-11-23 0,-19-39-44 15,13-8-63 1,-21-26-6-16,2-6 1 16,-17-18-2-16</inkml:trace>
+  <inkml:trace contextRef="#ctx0" brushRef="#br0" timeOffset="409.4351">4575 525 137 0,'34'7'123'16,"-34"-7"5"-16,0 37-3 16,-19-10-83-16,22 25-6 15,-11-4-4-15,19 25-7 16,-9-4-7-16,17 12-2 16,2-9-4-16,13-1-2 15,3-16-4-15,7-16 0 0,6-17-5 16,-2-30-1-16,2-21-4 15,-6-24-3 1,-2-13-1-16,-13-15-4 16,0-1 0-16,-13-8-3 0,-5 11 2 15,-6 6-1-15,-3 15 5 16,-4 13 0-16,2 19 5 16,0 26 4-16,0 0 4 15,0 26 4-15,5 16 2 16,11 21 4-16,-3 8-2 15,16 16 5-15,0-5-5 16,8 2 1-16,2-15-8 16,3-11-10-16,6-11-23 0,-19-39-44 15,13-8-63 1,-21-26-6-16,2-6 1 16,-17-18-2-16</inkml:trace>
   <inkml:trace contextRef="#ctx0" brushRef="#br0" timeOffset="796.9657">5519 711 152 0,'13'27'136'0,"13"20"-1"15,-7 3 1-15,12 21-69 16,-7-7-43-16,15 7 0 16,-7-8-11-16,5-5-5 15,-6-11-3-15,-5-10-2 16,-26-37 1-16,35 24-2 0,-35-24-1 15,13-42-2 1,-16-3 3-16,1-11-2 0,-1-12 1 16,0-8-1-16,6-1 1 15,5 4 0-15,2 4 3 16,9 11 1-16,7 13 1 16,13 9 0-16,4 17 0 15,9 17 1-15,6 9-2 16,3 17 0-16,-1 13-1 15,1 5-2-15,-4 11-1 16,-7 10-1-16,-8 3-2 16,-10 0-1-16,-8-1-5 15,-14-17-8-15,-2 4-21 16,-21-28-41-16,8 3-66 16,5-27-2-16,-37-11 1 0,16-18 1 15</inkml:trace>
   <inkml:trace contextRef="#ctx0" brushRef="#br0" timeOffset="1199.6335">7291 648 102 0,'-5'-23'124'16,"5"23"-1"-16,-34-32 4 16,34 32-68-16,-53-37-24 15,24 24-2-15,-15-8-7 16,7 10-5-16,-16-2-2 16,9 18-1-16,-12 1-2 15,9 20-2-15,-8 8-3 16,10 22 1-16,3 12-4 15,13 16 0-15,8 6-2 16,18 7 0-16,14-5-1 16,15-7-1-16,19-17-2 15,15-21-2-15,9-23 0 16,7-32-5-16,8-23-6 0,-10-30-15 16,5-2-22-16,-27-37-45 15,14 10-52-15,-29-20 0 16,-3 7-1-16,-23-13 4 15</inkml:trace>
   <inkml:trace contextRef="#ctx0" brushRef="#br0" timeOffset="1450.6126">7265-205 258 0,'0'0'142'15,"-10"42"-3"-15,23 19-38 16,-16 5-66-16,24 29-6 15,-5 2-2-15,10 16-7 0,-5 3-3 16,13 13-3-16,-2-8-2 16,5-2-2-1,0-19-6-15,-1-8-1 0,6-16-5 16,3-13-2-16,3-13-9 16,-12-31-15-16,12 5-34 15,-48-24-88-15,47-27-2 16,-44-10-2-16,-9 3 1 15</inkml:trace>
@@ -3960,7 +3960,7 @@
           <a:p>
             <a:fld id="{1CE4E7E7-6C21-4546-B32A-0D383DE387B2}" type="datetimeFigureOut">
               <a:rPr lang="en-US" smtClean="0"/>
-              <a:t>7/2/2014</a:t>
+              <a:t>8/2/2014</a:t>
             </a:fld>
             <a:endParaRPr lang="en-US"/>
           </a:p>
@@ -4407,7 +4407,7 @@
                 </a:solidFill>
               </a:rPr>
               <a:pPr/>
-              <a:t>7/2/2014 2:16 PM</a:t>
+              <a:t>8/2/2014 2:38 PM</a:t>
             </a:fld>
             <a:endParaRPr lang="en-US">
               <a:solidFill>
@@ -4615,7 +4615,7 @@
                 </a:solidFill>
               </a:rPr>
               <a:pPr/>
-              <a:t>7/2/2014 2:16 PM</a:t>
+              <a:t>8/2/2014 2:38 PM</a:t>
             </a:fld>
             <a:endParaRPr lang="en-US">
               <a:solidFill>
@@ -4815,7 +4815,7 @@
             <a:fld id="{81331B57-0BE5-4F82-AA58-76F53EFF3ADA}" type="datetime8">
               <a:rPr lang="en-US" smtClean="0"/>
               <a:pPr/>
-              <a:t>7/2/2014 2:16 PM</a:t>
+              <a:t>8/2/2014 2:38 PM</a:t>
             </a:fld>
             <a:endParaRPr lang="en-US"/>
           </a:p>
@@ -4999,7 +4999,7 @@
             <a:fld id="{81331B57-0BE5-4F82-AA58-76F53EFF3ADA}" type="datetime8">
               <a:rPr lang="en-US" smtClean="0"/>
               <a:pPr/>
-              <a:t>7/2/2014 2:16 PM</a:t>
+              <a:t>8/2/2014 2:38 PM</a:t>
             </a:fld>
             <a:endParaRPr lang="en-US"/>
           </a:p>
@@ -5183,7 +5183,7 @@
             <a:fld id="{81331B57-0BE5-4F82-AA58-76F53EFF3ADA}" type="datetime8">
               <a:rPr lang="en-US" smtClean="0"/>
               <a:pPr/>
-              <a:t>7/2/2014 2:16 PM</a:t>
+              <a:t>8/2/2014 2:38 PM</a:t>
             </a:fld>
             <a:endParaRPr lang="en-US"/>
           </a:p>
@@ -5367,7 +5367,7 @@
             <a:fld id="{81331B57-0BE5-4F82-AA58-76F53EFF3ADA}" type="datetime8">
               <a:rPr lang="en-US" smtClean="0"/>
               <a:pPr/>
-              <a:t>7/2/2014 2:16 PM</a:t>
+              <a:t>8/2/2014 2:38 PM</a:t>
             </a:fld>
             <a:endParaRPr lang="en-US"/>
           </a:p>
@@ -5551,7 +5551,7 @@
             <a:fld id="{81331B57-0BE5-4F82-AA58-76F53EFF3ADA}" type="datetime8">
               <a:rPr lang="en-US" smtClean="0"/>
               <a:pPr/>
-              <a:t>7/2/2014 2:16 PM</a:t>
+              <a:t>8/2/2014 2:38 PM</a:t>
             </a:fld>
             <a:endParaRPr lang="en-US"/>
           </a:p>
@@ -5735,7 +5735,7 @@
             <a:fld id="{81331B57-0BE5-4F82-AA58-76F53EFF3ADA}" type="datetime8">
               <a:rPr lang="en-US" smtClean="0"/>
               <a:pPr/>
-              <a:t>7/2/2014 2:16 PM</a:t>
+              <a:t>8/2/2014 2:38 PM</a:t>
             </a:fld>
             <a:endParaRPr lang="en-US"/>
           </a:p>
@@ -5919,7 +5919,7 @@
             <a:fld id="{81331B57-0BE5-4F82-AA58-76F53EFF3ADA}" type="datetime8">
               <a:rPr lang="en-US" smtClean="0"/>
               <a:pPr/>
-              <a:t>7/2/2014 2:16 PM</a:t>
+              <a:t>8/2/2014 2:38 PM</a:t>
             </a:fld>
             <a:endParaRPr lang="en-US"/>
           </a:p>
@@ -6103,7 +6103,7 @@
             <a:fld id="{81331B57-0BE5-4F82-AA58-76F53EFF3ADA}" type="datetime8">
               <a:rPr lang="en-US" smtClean="0"/>
               <a:pPr/>
-              <a:t>7/2/2014 2:16 PM</a:t>
+              <a:t>8/2/2014 2:38 PM</a:t>
             </a:fld>
             <a:endParaRPr lang="en-US"/>
           </a:p>
@@ -6295,7 +6295,7 @@
                 </a:solidFill>
               </a:rPr>
               <a:pPr/>
-              <a:t>7/2/2014 2:16 PM</a:t>
+              <a:t>8/2/2014 2:38 PM</a:t>
             </a:fld>
             <a:endParaRPr lang="en-US">
               <a:solidFill>
@@ -6495,7 +6495,7 @@
             <a:fld id="{81331B57-0BE5-4F82-AA58-76F53EFF3ADA}" type="datetime8">
               <a:rPr lang="en-US" smtClean="0"/>
               <a:pPr/>
-              <a:t>7/2/2014 2:16 PM</a:t>
+              <a:t>8/2/2014 2:38 PM</a:t>
             </a:fld>
             <a:endParaRPr lang="en-US"/>
           </a:p>
@@ -6679,7 +6679,7 @@
             <a:fld id="{81331B57-0BE5-4F82-AA58-76F53EFF3ADA}" type="datetime8">
               <a:rPr lang="en-US" smtClean="0"/>
               <a:pPr/>
-              <a:t>7/2/2014 2:16 PM</a:t>
+              <a:t>8/2/2014 2:38 PM</a:t>
             </a:fld>
             <a:endParaRPr lang="en-US"/>
           </a:p>
@@ -6863,7 +6863,7 @@
             <a:fld id="{81331B57-0BE5-4F82-AA58-76F53EFF3ADA}" type="datetime8">
               <a:rPr lang="en-US" smtClean="0"/>
               <a:pPr/>
-              <a:t>7/2/2014 2:16 PM</a:t>
+              <a:t>8/2/2014 2:38 PM</a:t>
             </a:fld>
             <a:endParaRPr lang="en-US"/>
           </a:p>
@@ -7047,7 +7047,7 @@
             <a:fld id="{81331B57-0BE5-4F82-AA58-76F53EFF3ADA}" type="datetime8">
               <a:rPr lang="en-US" smtClean="0"/>
               <a:pPr/>
-              <a:t>7/2/2014 2:16 PM</a:t>
+              <a:t>8/2/2014 2:38 PM</a:t>
             </a:fld>
             <a:endParaRPr lang="en-US"/>
           </a:p>
@@ -7239,7 +7239,7 @@
                 </a:solidFill>
               </a:rPr>
               <a:pPr/>
-              <a:t>7/2/2014 2:16 PM</a:t>
+              <a:t>8/2/2014 2:38 PM</a:t>
             </a:fld>
             <a:endParaRPr lang="en-US">
               <a:solidFill>
@@ -7447,7 +7447,7 @@
                 </a:solidFill>
               </a:rPr>
               <a:pPr/>
-              <a:t>7/2/2014 2:16 PM</a:t>
+              <a:t>8/2/2014 2:38 PM</a:t>
             </a:fld>
             <a:endParaRPr lang="en-US">
               <a:solidFill>
@@ -7655,7 +7655,7 @@
                 </a:solidFill>
               </a:rPr>
               <a:pPr/>
-              <a:t>7/2/2014 2:16 PM</a:t>
+              <a:t>8/2/2014 2:38 PM</a:t>
             </a:fld>
             <a:endParaRPr lang="en-US">
               <a:solidFill>
@@ -7863,7 +7863,7 @@
                 </a:solidFill>
               </a:rPr>
               <a:pPr/>
-              <a:t>7/2/2014 2:16 PM</a:t>
+              <a:t>8/2/2014 2:38 PM</a:t>
             </a:fld>
             <a:endParaRPr lang="en-US">
               <a:solidFill>
@@ -8071,7 +8071,7 @@
                 </a:solidFill>
               </a:rPr>
               <a:pPr/>
-              <a:t>7/2/2014 2:16 PM</a:t>
+              <a:t>8/2/2014 2:38 PM</a:t>
             </a:fld>
             <a:endParaRPr lang="en-US">
               <a:solidFill>
@@ -8279,7 +8279,7 @@
                 </a:solidFill>
               </a:rPr>
               <a:pPr/>
-              <a:t>7/2/2014 2:16 PM</a:t>
+              <a:t>8/2/2014 2:38 PM</a:t>
             </a:fld>
             <a:endParaRPr lang="en-US">
               <a:solidFill>
@@ -8487,7 +8487,7 @@
                 </a:solidFill>
               </a:rPr>
               <a:pPr/>
-              <a:t>7/2/2014 2:16 PM</a:t>
+              <a:t>8/2/2014 2:38 PM</a:t>
             </a:fld>
             <a:endParaRPr lang="en-US">
               <a:solidFill>
@@ -8731,7 +8731,7 @@
           <a:p>
             <a:fld id="{A752D9B3-807F-4B33-9646-5B5D18043D19}" type="datetimeFigureOut">
               <a:rPr lang="en-US" smtClean="0"/>
-              <a:t>7/2/2014</a:t>
+              <a:t>8/2/2014</a:t>
             </a:fld>
             <a:endParaRPr lang="en-US"/>
           </a:p>
@@ -8901,7 +8901,7 @@
           <a:p>
             <a:fld id="{A752D9B3-807F-4B33-9646-5B5D18043D19}" type="datetimeFigureOut">
               <a:rPr lang="en-US" smtClean="0"/>
-              <a:t>7/2/2014</a:t>
+              <a:t>8/2/2014</a:t>
             </a:fld>
             <a:endParaRPr lang="en-US"/>
           </a:p>
@@ -9081,7 +9081,7 @@
           <a:p>
             <a:fld id="{A752D9B3-807F-4B33-9646-5B5D18043D19}" type="datetimeFigureOut">
               <a:rPr lang="en-US" smtClean="0"/>
-              <a:t>7/2/2014</a:t>
+              <a:t>8/2/2014</a:t>
             </a:fld>
             <a:endParaRPr lang="en-US"/>
           </a:p>
@@ -11640,7 +11640,7 @@
           <a:p>
             <a:fld id="{A752D9B3-807F-4B33-9646-5B5D18043D19}" type="datetimeFigureOut">
               <a:rPr lang="en-US" smtClean="0"/>
-              <a:t>7/2/2014</a:t>
+              <a:t>8/2/2014</a:t>
             </a:fld>
             <a:endParaRPr lang="en-US"/>
           </a:p>
@@ -12743,7 +12743,7 @@
           <a:p>
             <a:fld id="{A752D9B3-807F-4B33-9646-5B5D18043D19}" type="datetimeFigureOut">
               <a:rPr lang="en-US" smtClean="0"/>
-              <a:t>7/2/2014</a:t>
+              <a:t>8/2/2014</a:t>
             </a:fld>
             <a:endParaRPr lang="en-US"/>
           </a:p>
@@ -12975,7 +12975,7 @@
           <a:p>
             <a:fld id="{A752D9B3-807F-4B33-9646-5B5D18043D19}" type="datetimeFigureOut">
               <a:rPr lang="en-US" smtClean="0"/>
-              <a:t>7/2/2014</a:t>
+              <a:t>8/2/2014</a:t>
             </a:fld>
             <a:endParaRPr lang="en-US"/>
           </a:p>
@@ -13342,7 +13342,7 @@
           <a:p>
             <a:fld id="{A752D9B3-807F-4B33-9646-5B5D18043D19}" type="datetimeFigureOut">
               <a:rPr lang="en-US" smtClean="0"/>
-              <a:t>7/2/2014</a:t>
+              <a:t>8/2/2014</a:t>
             </a:fld>
             <a:endParaRPr lang="en-US"/>
           </a:p>
@@ -13460,7 +13460,7 @@
           <a:p>
             <a:fld id="{A752D9B3-807F-4B33-9646-5B5D18043D19}" type="datetimeFigureOut">
               <a:rPr lang="en-US" smtClean="0"/>
-              <a:t>7/2/2014</a:t>
+              <a:t>8/2/2014</a:t>
             </a:fld>
             <a:endParaRPr lang="en-US"/>
           </a:p>
@@ -13555,7 +13555,7 @@
           <a:p>
             <a:fld id="{A752D9B3-807F-4B33-9646-5B5D18043D19}" type="datetimeFigureOut">
               <a:rPr lang="en-US" smtClean="0"/>
-              <a:t>7/2/2014</a:t>
+              <a:t>8/2/2014</a:t>
             </a:fld>
             <a:endParaRPr lang="en-US"/>
           </a:p>
@@ -13832,7 +13832,7 @@
           <a:p>
             <a:fld id="{A752D9B3-807F-4B33-9646-5B5D18043D19}" type="datetimeFigureOut">
               <a:rPr lang="en-US" smtClean="0"/>
-              <a:t>7/2/2014</a:t>
+              <a:t>8/2/2014</a:t>
             </a:fld>
             <a:endParaRPr lang="en-US"/>
           </a:p>
@@ -14085,7 +14085,7 @@
           <a:p>
             <a:fld id="{A752D9B3-807F-4B33-9646-5B5D18043D19}" type="datetimeFigureOut">
               <a:rPr lang="en-US" smtClean="0"/>
-              <a:t>7/2/2014</a:t>
+              <a:t>8/2/2014</a:t>
             </a:fld>
             <a:endParaRPr lang="en-US"/>
           </a:p>
@@ -14298,7 +14298,7 @@
           <a:p>
             <a:fld id="{A752D9B3-807F-4B33-9646-5B5D18043D19}" type="datetimeFigureOut">
               <a:rPr lang="en-US" smtClean="0"/>
-              <a:t>7/2/2014</a:t>
+              <a:t>8/2/2014</a:t>
             </a:fld>
             <a:endParaRPr lang="en-US"/>
           </a:p>
@@ -28232,7 +28232,11 @@
           <a:p>
             <a:r>
               <a:rPr lang="en-US" dirty="0" smtClean="0"/>
-              <a:t>Assignment</a:t>
+              <a:t>Assignment: create a </a:t>
+            </a:r>
+            <a:r>
+              <a:rPr lang="en-US" dirty="0" err="1" smtClean="0"/>
+              <a:t>SymbolicDictionary</a:t>
             </a:r>
             <a:endParaRPr lang="en-US" dirty="0"/>
           </a:p>
@@ -30232,18 +30236,18 @@
 </file>
 
 <file path=customXml/item1.xml><?xml version="1.0" encoding="utf-8"?>
-<p:properties xmlns:p="http://schemas.microsoft.com/office/2006/metadata/properties" xmlns:xsi="http://www.w3.org/2001/XMLSchema-instance" xmlns:pc="http://schemas.microsoft.com/office/infopath/2007/PartnerControls">
-  <documentManagement/>
-</p:properties>
-</file>
-
-<file path=customXml/item2.xml><?xml version="1.0" encoding="utf-8"?>
 <?mso-contentType ?>
 <FormTemplates xmlns="http://schemas.microsoft.com/sharepoint/v3/contenttype/forms">
   <Display>DocumentLibraryForm</Display>
   <Edit>DocumentLibraryForm</Edit>
   <New>DocumentLibraryForm</New>
 </FormTemplates>
+</file>
+
+<file path=customXml/item2.xml><?xml version="1.0" encoding="utf-8"?>
+<p:properties xmlns:p="http://schemas.microsoft.com/office/2006/metadata/properties" xmlns:xsi="http://www.w3.org/2001/XMLSchema-instance" xmlns:pc="http://schemas.microsoft.com/office/infopath/2007/PartnerControls">
+  <documentManagement/>
+</p:properties>
 </file>
 
 <file path=customXml/item3.xml><?xml version="1.0" encoding="utf-8"?>
@@ -30387,6 +30391,14 @@
 </file>
 
 <file path=customXml/itemProps1.xml><?xml version="1.0" encoding="utf-8"?>
+<ds:datastoreItem xmlns:ds="http://schemas.openxmlformats.org/officeDocument/2006/customXml" ds:itemID="{30CE9295-D642-4A8B-8E3E-E3ABE16B63E4}">
+  <ds:schemaRefs>
+    <ds:schemaRef ds:uri="http://schemas.microsoft.com/sharepoint/v3/contenttype/forms"/>
+  </ds:schemaRefs>
+</ds:datastoreItem>
+</file>
+
+<file path=customXml/itemProps2.xml><?xml version="1.0" encoding="utf-8"?>
 <ds:datastoreItem xmlns:ds="http://schemas.openxmlformats.org/officeDocument/2006/customXml" ds:itemID="{FB6BFFDC-454B-4126-B386-28229AA96DAC}">
   <ds:schemaRefs>
     <ds:schemaRef ds:uri="http://schemas.microsoft.com/office/2006/metadata/properties"/>
@@ -30398,14 +30410,6 @@
     <ds:schemaRef ds:uri="http://schemas.openxmlformats.org/package/2006/metadata/core-properties"/>
     <ds:schemaRef ds:uri="e38774e6-6428-4dbd-b505-0acc1faa5601"/>
     <ds:schemaRef ds:uri="http://www.w3.org/XML/1998/namespace"/>
-  </ds:schemaRefs>
-</ds:datastoreItem>
-</file>
-
-<file path=customXml/itemProps2.xml><?xml version="1.0" encoding="utf-8"?>
-<ds:datastoreItem xmlns:ds="http://schemas.openxmlformats.org/officeDocument/2006/customXml" ds:itemID="{30CE9295-D642-4A8B-8E3E-E3ABE16B63E4}">
-  <ds:schemaRefs>
-    <ds:schemaRef ds:uri="http://schemas.microsoft.com/sharepoint/v3/contenttype/forms"/>
   </ds:schemaRefs>
 </ds:datastoreItem>
 </file>
